--- a/2021-02-27 -- anthony vanderwal - project 3 presentation - time series classification with cnn.pptx
+++ b/2021-02-27 -- anthony vanderwal - project 3 presentation - time series classification with cnn.pptx
@@ -170,7 +170,7 @@
           <a:noFill/>
           <a:extLst>
             <a:ext uri="{909E8E84-426E-40dd-AFC4-6F175D3DCCD1}">
-              <a14:hiddenFill xmlns="" xmlns:a14="http://schemas.microsoft.com/office/drawing/2010/main">
+              <a14:hiddenFill xmlns:a14="http://schemas.microsoft.com/office/drawing/2010/main" xmlns="">
                 <a:solidFill>
                   <a:srgbClr val="FFFFFF"/>
                 </a:solidFill>
@@ -230,7 +230,7 @@
             </a:ln>
             <a:extLst>
               <a:ext uri="{91240B29-F687-4f45-9708-019B960494DF}">
-                <a14:hiddenLine xmlns="" xmlns:a14="http://schemas.microsoft.com/office/drawing/2010/main" w="9525">
+                <a14:hiddenLine xmlns:a14="http://schemas.microsoft.com/office/drawing/2010/main" xmlns="" w="9525">
                   <a:solidFill>
                     <a:srgbClr val="000000"/>
                   </a:solidFill>
@@ -320,7 +320,7 @@
             </a:ln>
             <a:extLst>
               <a:ext uri="{91240B29-F687-4f45-9708-019B960494DF}">
-                <a14:hiddenLine xmlns="" xmlns:a14="http://schemas.microsoft.com/office/drawing/2010/main" w="9525">
+                <a14:hiddenLine xmlns:a14="http://schemas.microsoft.com/office/drawing/2010/main" xmlns="" w="9525">
                   <a:solidFill>
                     <a:srgbClr val="000000"/>
                   </a:solidFill>
@@ -410,7 +410,7 @@
             </a:ln>
             <a:extLst>
               <a:ext uri="{91240B29-F687-4f45-9708-019B960494DF}">
-                <a14:hiddenLine xmlns="" xmlns:a14="http://schemas.microsoft.com/office/drawing/2010/main" w="9525">
+                <a14:hiddenLine xmlns:a14="http://schemas.microsoft.com/office/drawing/2010/main" xmlns="" w="9525">
                   <a:solidFill>
                     <a:srgbClr val="000000"/>
                   </a:solidFill>
@@ -444,7 +444,7 @@
             </a:ln>
             <a:extLst>
               <a:ext uri="{91240B29-F687-4f45-9708-019B960494DF}">
-                <a14:hiddenLine xmlns="" xmlns:a14="http://schemas.microsoft.com/office/drawing/2010/main" w="9525">
+                <a14:hiddenLine xmlns:a14="http://schemas.microsoft.com/office/drawing/2010/main" xmlns="" w="9525">
                   <a:solidFill>
                     <a:srgbClr val="000000"/>
                   </a:solidFill>
@@ -534,7 +534,7 @@
             </a:ln>
             <a:extLst>
               <a:ext uri="{91240B29-F687-4f45-9708-019B960494DF}">
-                <a14:hiddenLine xmlns="" xmlns:a14="http://schemas.microsoft.com/office/drawing/2010/main" w="9525">
+                <a14:hiddenLine xmlns:a14="http://schemas.microsoft.com/office/drawing/2010/main" xmlns="" w="9525">
                   <a:solidFill>
                     <a:srgbClr val="000000"/>
                   </a:solidFill>
@@ -596,7 +596,7 @@
             </a:ln>
             <a:extLst>
               <a:ext uri="{91240B29-F687-4f45-9708-019B960494DF}">
-                <a14:hiddenLine xmlns="" xmlns:a14="http://schemas.microsoft.com/office/drawing/2010/main" w="9525">
+                <a14:hiddenLine xmlns:a14="http://schemas.microsoft.com/office/drawing/2010/main" xmlns="" w="9525">
                   <a:solidFill>
                     <a:srgbClr val="000000"/>
                   </a:solidFill>
@@ -658,7 +658,7 @@
             </a:ln>
             <a:extLst>
               <a:ext uri="{91240B29-F687-4f45-9708-019B960494DF}">
-                <a14:hiddenLine xmlns="" xmlns:a14="http://schemas.microsoft.com/office/drawing/2010/main" w="9525">
+                <a14:hiddenLine xmlns:a14="http://schemas.microsoft.com/office/drawing/2010/main" xmlns="" w="9525">
                   <a:solidFill>
                     <a:srgbClr val="000000"/>
                   </a:solidFill>
@@ -748,7 +748,7 @@
             </a:ln>
             <a:extLst>
               <a:ext uri="{91240B29-F687-4f45-9708-019B960494DF}">
-                <a14:hiddenLine xmlns="" xmlns:a14="http://schemas.microsoft.com/office/drawing/2010/main" w="9525">
+                <a14:hiddenLine xmlns:a14="http://schemas.microsoft.com/office/drawing/2010/main" xmlns="" w="9525">
                   <a:solidFill>
                     <a:srgbClr val="000000"/>
                   </a:solidFill>
@@ -810,7 +810,7 @@
             </a:ln>
             <a:extLst>
               <a:ext uri="{91240B29-F687-4f45-9708-019B960494DF}">
-                <a14:hiddenLine xmlns="" xmlns:a14="http://schemas.microsoft.com/office/drawing/2010/main" w="9525">
+                <a14:hiddenLine xmlns:a14="http://schemas.microsoft.com/office/drawing/2010/main" xmlns="" w="9525">
                   <a:solidFill>
                     <a:srgbClr val="000000"/>
                   </a:solidFill>
@@ -872,7 +872,7 @@
             </a:ln>
             <a:extLst>
               <a:ext uri="{91240B29-F687-4f45-9708-019B960494DF}">
-                <a14:hiddenLine xmlns="" xmlns:a14="http://schemas.microsoft.com/office/drawing/2010/main" w="9525">
+                <a14:hiddenLine xmlns:a14="http://schemas.microsoft.com/office/drawing/2010/main" xmlns="" w="9525">
                   <a:solidFill>
                     <a:srgbClr val="000000"/>
                   </a:solidFill>
@@ -962,7 +962,7 @@
             </a:ln>
             <a:extLst>
               <a:ext uri="{91240B29-F687-4f45-9708-019B960494DF}">
-                <a14:hiddenLine xmlns="" xmlns:a14="http://schemas.microsoft.com/office/drawing/2010/main" w="9525">
+                <a14:hiddenLine xmlns:a14="http://schemas.microsoft.com/office/drawing/2010/main" xmlns="" w="9525">
                   <a:solidFill>
                     <a:srgbClr val="000000"/>
                   </a:solidFill>
@@ -1052,7 +1052,7 @@
             </a:ln>
             <a:extLst>
               <a:ext uri="{91240B29-F687-4f45-9708-019B960494DF}">
-                <a14:hiddenLine xmlns="" xmlns:a14="http://schemas.microsoft.com/office/drawing/2010/main" w="9525">
+                <a14:hiddenLine xmlns:a14="http://schemas.microsoft.com/office/drawing/2010/main" xmlns="" w="9525">
                   <a:solidFill>
                     <a:srgbClr val="000000"/>
                   </a:solidFill>
@@ -1114,7 +1114,7 @@
             </a:ln>
             <a:extLst>
               <a:ext uri="{91240B29-F687-4f45-9708-019B960494DF}">
-                <a14:hiddenLine xmlns="" xmlns:a14="http://schemas.microsoft.com/office/drawing/2010/main" w="9525">
+                <a14:hiddenLine xmlns:a14="http://schemas.microsoft.com/office/drawing/2010/main" xmlns="" w="9525">
                   <a:solidFill>
                     <a:srgbClr val="000000"/>
                   </a:solidFill>
@@ -1224,7 +1224,7 @@
             </a:ln>
             <a:extLst>
               <a:ext uri="{91240B29-F687-4f45-9708-019B960494DF}">
-                <a14:hiddenLine xmlns="" xmlns:a14="http://schemas.microsoft.com/office/drawing/2010/main" w="9525">
+                <a14:hiddenLine xmlns:a14="http://schemas.microsoft.com/office/drawing/2010/main" xmlns="" w="9525">
                   <a:solidFill>
                     <a:srgbClr val="000000"/>
                   </a:solidFill>
@@ -1286,7 +1286,7 @@
             </a:ln>
             <a:extLst>
               <a:ext uri="{91240B29-F687-4f45-9708-019B960494DF}">
-                <a14:hiddenLine xmlns="" xmlns:a14="http://schemas.microsoft.com/office/drawing/2010/main" w="9525">
+                <a14:hiddenLine xmlns:a14="http://schemas.microsoft.com/office/drawing/2010/main" xmlns="" w="9525">
                   <a:solidFill>
                     <a:srgbClr val="000000"/>
                   </a:solidFill>
@@ -1376,7 +1376,7 @@
             </a:ln>
             <a:extLst>
               <a:ext uri="{91240B29-F687-4f45-9708-019B960494DF}">
-                <a14:hiddenLine xmlns="" xmlns:a14="http://schemas.microsoft.com/office/drawing/2010/main" w="9525">
+                <a14:hiddenLine xmlns:a14="http://schemas.microsoft.com/office/drawing/2010/main" xmlns="" w="9525">
                   <a:solidFill>
                     <a:srgbClr val="000000"/>
                   </a:solidFill>
@@ -1466,7 +1466,7 @@
             </a:ln>
             <a:extLst>
               <a:ext uri="{91240B29-F687-4f45-9708-019B960494DF}">
-                <a14:hiddenLine xmlns="" xmlns:a14="http://schemas.microsoft.com/office/drawing/2010/main" w="9525">
+                <a14:hiddenLine xmlns:a14="http://schemas.microsoft.com/office/drawing/2010/main" xmlns="" w="9525">
                   <a:solidFill>
                     <a:srgbClr val="000000"/>
                   </a:solidFill>
@@ -1528,7 +1528,7 @@
             </a:ln>
             <a:extLst>
               <a:ext uri="{91240B29-F687-4f45-9708-019B960494DF}">
-                <a14:hiddenLine xmlns="" xmlns:a14="http://schemas.microsoft.com/office/drawing/2010/main" w="9525">
+                <a14:hiddenLine xmlns:a14="http://schemas.microsoft.com/office/drawing/2010/main" xmlns="" w="9525">
                   <a:solidFill>
                     <a:srgbClr val="000000"/>
                   </a:solidFill>
@@ -1618,7 +1618,7 @@
             </a:ln>
             <a:extLst>
               <a:ext uri="{91240B29-F687-4f45-9708-019B960494DF}">
-                <a14:hiddenLine xmlns="" xmlns:a14="http://schemas.microsoft.com/office/drawing/2010/main" w="9525">
+                <a14:hiddenLine xmlns:a14="http://schemas.microsoft.com/office/drawing/2010/main" xmlns="" w="9525">
                   <a:solidFill>
                     <a:srgbClr val="000000"/>
                   </a:solidFill>
@@ -1708,7 +1708,7 @@
             </a:ln>
             <a:extLst>
               <a:ext uri="{91240B29-F687-4f45-9708-019B960494DF}">
-                <a14:hiddenLine xmlns="" xmlns:a14="http://schemas.microsoft.com/office/drawing/2010/main" w="9525">
+                <a14:hiddenLine xmlns:a14="http://schemas.microsoft.com/office/drawing/2010/main" xmlns="" w="9525">
                   <a:solidFill>
                     <a:srgbClr val="000000"/>
                   </a:solidFill>
@@ -1764,7 +1764,7 @@
             </a:ln>
             <a:extLst>
               <a:ext uri="{91240B29-F687-4f45-9708-019B960494DF}">
-                <a14:hiddenLine xmlns="" xmlns:a14="http://schemas.microsoft.com/office/drawing/2010/main" w="9525">
+                <a14:hiddenLine xmlns:a14="http://schemas.microsoft.com/office/drawing/2010/main" xmlns="" w="9525">
                   <a:solidFill>
                     <a:srgbClr val="000000"/>
                   </a:solidFill>
@@ -1854,7 +1854,7 @@
             </a:ln>
             <a:extLst>
               <a:ext uri="{91240B29-F687-4f45-9708-019B960494DF}">
-                <a14:hiddenLine xmlns="" xmlns:a14="http://schemas.microsoft.com/office/drawing/2010/main" w="9525">
+                <a14:hiddenLine xmlns:a14="http://schemas.microsoft.com/office/drawing/2010/main" xmlns="" w="9525">
                   <a:solidFill>
                     <a:srgbClr val="000000"/>
                   </a:solidFill>
@@ -1910,7 +1910,7 @@
             </a:ln>
             <a:extLst>
               <a:ext uri="{91240B29-F687-4f45-9708-019B960494DF}">
-                <a14:hiddenLine xmlns="" xmlns:a14="http://schemas.microsoft.com/office/drawing/2010/main" w="9525">
+                <a14:hiddenLine xmlns:a14="http://schemas.microsoft.com/office/drawing/2010/main" xmlns="" w="9525">
                   <a:solidFill>
                     <a:srgbClr val="000000"/>
                   </a:solidFill>
@@ -2000,7 +2000,7 @@
             </a:ln>
             <a:extLst>
               <a:ext uri="{91240B29-F687-4f45-9708-019B960494DF}">
-                <a14:hiddenLine xmlns="" xmlns:a14="http://schemas.microsoft.com/office/drawing/2010/main" w="9525">
+                <a14:hiddenLine xmlns:a14="http://schemas.microsoft.com/office/drawing/2010/main" xmlns="" w="9525">
                   <a:solidFill>
                     <a:srgbClr val="000000"/>
                   </a:solidFill>
@@ -2068,7 +2068,7 @@
             </a:ln>
             <a:extLst>
               <a:ext uri="{91240B29-F687-4f45-9708-019B960494DF}">
-                <a14:hiddenLine xmlns="" xmlns:a14="http://schemas.microsoft.com/office/drawing/2010/main" w="9525">
+                <a14:hiddenLine xmlns:a14="http://schemas.microsoft.com/office/drawing/2010/main" xmlns="" w="9525">
                   <a:solidFill>
                     <a:srgbClr val="000000"/>
                   </a:solidFill>
@@ -2158,7 +2158,7 @@
             </a:ln>
             <a:extLst>
               <a:ext uri="{91240B29-F687-4f45-9708-019B960494DF}">
-                <a14:hiddenLine xmlns="" xmlns:a14="http://schemas.microsoft.com/office/drawing/2010/main" w="9525">
+                <a14:hiddenLine xmlns:a14="http://schemas.microsoft.com/office/drawing/2010/main" xmlns="" w="9525">
                   <a:solidFill>
                     <a:srgbClr val="000000"/>
                   </a:solidFill>
@@ -2226,7 +2226,7 @@
             </a:ln>
             <a:extLst>
               <a:ext uri="{91240B29-F687-4f45-9708-019B960494DF}">
-                <a14:hiddenLine xmlns="" xmlns:a14="http://schemas.microsoft.com/office/drawing/2010/main" w="9525">
+                <a14:hiddenLine xmlns:a14="http://schemas.microsoft.com/office/drawing/2010/main" xmlns="" w="9525">
                   <a:solidFill>
                     <a:srgbClr val="000000"/>
                   </a:solidFill>
@@ -2316,7 +2316,7 @@
             </a:ln>
             <a:extLst>
               <a:ext uri="{91240B29-F687-4f45-9708-019B960494DF}">
-                <a14:hiddenLine xmlns="" xmlns:a14="http://schemas.microsoft.com/office/drawing/2010/main" w="9525">
+                <a14:hiddenLine xmlns:a14="http://schemas.microsoft.com/office/drawing/2010/main" xmlns="" w="9525">
                   <a:solidFill>
                     <a:srgbClr val="000000"/>
                   </a:solidFill>
@@ -2350,7 +2350,7 @@
             </a:ln>
             <a:extLst>
               <a:ext uri="{91240B29-F687-4f45-9708-019B960494DF}">
-                <a14:hiddenLine xmlns="" xmlns:a14="http://schemas.microsoft.com/office/drawing/2010/main" w="9525">
+                <a14:hiddenLine xmlns:a14="http://schemas.microsoft.com/office/drawing/2010/main" xmlns="" w="9525">
                   <a:solidFill>
                     <a:srgbClr val="000000"/>
                   </a:solidFill>
@@ -2440,7 +2440,7 @@
             </a:ln>
             <a:extLst>
               <a:ext uri="{91240B29-F687-4f45-9708-019B960494DF}">
-                <a14:hiddenLine xmlns="" xmlns:a14="http://schemas.microsoft.com/office/drawing/2010/main" w="9525">
+                <a14:hiddenLine xmlns:a14="http://schemas.microsoft.com/office/drawing/2010/main" xmlns="" w="9525">
                   <a:solidFill>
                     <a:srgbClr val="000000"/>
                   </a:solidFill>
@@ -2502,7 +2502,7 @@
             </a:ln>
             <a:extLst>
               <a:ext uri="{91240B29-F687-4f45-9708-019B960494DF}">
-                <a14:hiddenLine xmlns="" xmlns:a14="http://schemas.microsoft.com/office/drawing/2010/main" w="9525">
+                <a14:hiddenLine xmlns:a14="http://schemas.microsoft.com/office/drawing/2010/main" xmlns="" w="9525">
                   <a:solidFill>
                     <a:srgbClr val="000000"/>
                   </a:solidFill>
@@ -2564,7 +2564,7 @@
             </a:ln>
             <a:extLst>
               <a:ext uri="{91240B29-F687-4f45-9708-019B960494DF}">
-                <a14:hiddenLine xmlns="" xmlns:a14="http://schemas.microsoft.com/office/drawing/2010/main" w="9525">
+                <a14:hiddenLine xmlns:a14="http://schemas.microsoft.com/office/drawing/2010/main" xmlns="" w="9525">
                   <a:solidFill>
                     <a:srgbClr val="000000"/>
                   </a:solidFill>
@@ -2654,7 +2654,7 @@
             </a:ln>
             <a:extLst>
               <a:ext uri="{91240B29-F687-4f45-9708-019B960494DF}">
-                <a14:hiddenLine xmlns="" xmlns:a14="http://schemas.microsoft.com/office/drawing/2010/main" w="9525">
+                <a14:hiddenLine xmlns:a14="http://schemas.microsoft.com/office/drawing/2010/main" xmlns="" w="9525">
                   <a:solidFill>
                     <a:srgbClr val="000000"/>
                   </a:solidFill>
@@ -2722,7 +2722,7 @@
             </a:ln>
             <a:extLst>
               <a:ext uri="{91240B29-F687-4f45-9708-019B960494DF}">
-                <a14:hiddenLine xmlns="" xmlns:a14="http://schemas.microsoft.com/office/drawing/2010/main" w="9525">
+                <a14:hiddenLine xmlns:a14="http://schemas.microsoft.com/office/drawing/2010/main" xmlns="" w="9525">
                   <a:solidFill>
                     <a:srgbClr val="000000"/>
                   </a:solidFill>
@@ -2784,7 +2784,7 @@
             </a:ln>
             <a:extLst>
               <a:ext uri="{91240B29-F687-4f45-9708-019B960494DF}">
-                <a14:hiddenLine xmlns="" xmlns:a14="http://schemas.microsoft.com/office/drawing/2010/main" w="9525">
+                <a14:hiddenLine xmlns:a14="http://schemas.microsoft.com/office/drawing/2010/main" xmlns="" w="9525">
                   <a:solidFill>
                     <a:srgbClr val="000000"/>
                   </a:solidFill>
@@ -2874,7 +2874,7 @@
             </a:ln>
             <a:extLst>
               <a:ext uri="{91240B29-F687-4f45-9708-019B960494DF}">
-                <a14:hiddenLine xmlns="" xmlns:a14="http://schemas.microsoft.com/office/drawing/2010/main" w="9525">
+                <a14:hiddenLine xmlns:a14="http://schemas.microsoft.com/office/drawing/2010/main" xmlns="" w="9525">
                   <a:solidFill>
                     <a:srgbClr val="000000"/>
                   </a:solidFill>
@@ -2936,7 +2936,7 @@
             </a:ln>
             <a:extLst>
               <a:ext uri="{91240B29-F687-4f45-9708-019B960494DF}">
-                <a14:hiddenLine xmlns="" xmlns:a14="http://schemas.microsoft.com/office/drawing/2010/main" w="9525">
+                <a14:hiddenLine xmlns:a14="http://schemas.microsoft.com/office/drawing/2010/main" xmlns="" w="9525">
                   <a:solidFill>
                     <a:srgbClr val="000000"/>
                   </a:solidFill>
@@ -3026,7 +3026,7 @@
             </a:ln>
             <a:extLst>
               <a:ext uri="{91240B29-F687-4f45-9708-019B960494DF}">
-                <a14:hiddenLine xmlns="" xmlns:a14="http://schemas.microsoft.com/office/drawing/2010/main" w="9525">
+                <a14:hiddenLine xmlns:a14="http://schemas.microsoft.com/office/drawing/2010/main" xmlns="" w="9525">
                   <a:solidFill>
                     <a:srgbClr val="000000"/>
                   </a:solidFill>
@@ -3088,7 +3088,7 @@
             </a:ln>
             <a:extLst>
               <a:ext uri="{91240B29-F687-4f45-9708-019B960494DF}">
-                <a14:hiddenLine xmlns="" xmlns:a14="http://schemas.microsoft.com/office/drawing/2010/main" w="9525">
+                <a14:hiddenLine xmlns:a14="http://schemas.microsoft.com/office/drawing/2010/main" xmlns="" w="9525">
                   <a:solidFill>
                     <a:srgbClr val="000000"/>
                   </a:solidFill>
@@ -3178,7 +3178,7 @@
             </a:ln>
             <a:extLst>
               <a:ext uri="{91240B29-F687-4f45-9708-019B960494DF}">
-                <a14:hiddenLine xmlns="" xmlns:a14="http://schemas.microsoft.com/office/drawing/2010/main" w="9525">
+                <a14:hiddenLine xmlns:a14="http://schemas.microsoft.com/office/drawing/2010/main" xmlns="" w="9525">
                   <a:solidFill>
                     <a:srgbClr val="000000"/>
                   </a:solidFill>
@@ -3212,7 +3212,7 @@
             </a:ln>
             <a:extLst>
               <a:ext uri="{91240B29-F687-4f45-9708-019B960494DF}">
-                <a14:hiddenLine xmlns="" xmlns:a14="http://schemas.microsoft.com/office/drawing/2010/main" w="9525">
+                <a14:hiddenLine xmlns:a14="http://schemas.microsoft.com/office/drawing/2010/main" xmlns="" w="9525">
                   <a:solidFill>
                     <a:srgbClr val="000000"/>
                   </a:solidFill>
@@ -3277,7 +3277,7 @@
             </a:ln>
             <a:extLst>
               <a:ext uri="{91240B29-F687-4f45-9708-019B960494DF}">
-                <a14:hiddenLine xmlns="" xmlns:a14="http://schemas.microsoft.com/office/drawing/2010/main" w="9525">
+                <a14:hiddenLine xmlns:a14="http://schemas.microsoft.com/office/drawing/2010/main" xmlns="" w="9525">
                   <a:solidFill>
                     <a:srgbClr val="000000"/>
                   </a:solidFill>
@@ -3367,7 +3367,7 @@
             </a:ln>
             <a:extLst>
               <a:ext uri="{91240B29-F687-4f45-9708-019B960494DF}">
-                <a14:hiddenLine xmlns="" xmlns:a14="http://schemas.microsoft.com/office/drawing/2010/main" w="9525">
+                <a14:hiddenLine xmlns:a14="http://schemas.microsoft.com/office/drawing/2010/main" xmlns="" w="9525">
                   <a:solidFill>
                     <a:srgbClr val="000000"/>
                   </a:solidFill>
@@ -3429,7 +3429,7 @@
             </a:ln>
             <a:extLst>
               <a:ext uri="{91240B29-F687-4f45-9708-019B960494DF}">
-                <a14:hiddenLine xmlns="" xmlns:a14="http://schemas.microsoft.com/office/drawing/2010/main" w="9525">
+                <a14:hiddenLine xmlns:a14="http://schemas.microsoft.com/office/drawing/2010/main" xmlns="" w="9525">
                   <a:solidFill>
                     <a:srgbClr val="000000"/>
                   </a:solidFill>
@@ -3519,7 +3519,7 @@
             </a:ln>
             <a:extLst>
               <a:ext uri="{91240B29-F687-4f45-9708-019B960494DF}">
-                <a14:hiddenLine xmlns="" xmlns:a14="http://schemas.microsoft.com/office/drawing/2010/main" w="9525">
+                <a14:hiddenLine xmlns:a14="http://schemas.microsoft.com/office/drawing/2010/main" xmlns="" w="9525">
                   <a:solidFill>
                     <a:srgbClr val="000000"/>
                   </a:solidFill>
@@ -3609,7 +3609,7 @@
             </a:ln>
             <a:extLst>
               <a:ext uri="{91240B29-F687-4f45-9708-019B960494DF}">
-                <a14:hiddenLine xmlns="" xmlns:a14="http://schemas.microsoft.com/office/drawing/2010/main" w="9525">
+                <a14:hiddenLine xmlns:a14="http://schemas.microsoft.com/office/drawing/2010/main" xmlns="" w="9525">
                   <a:solidFill>
                     <a:srgbClr val="000000"/>
                   </a:solidFill>
@@ -3674,7 +3674,7 @@
             </a:ln>
             <a:extLst>
               <a:ext uri="{91240B29-F687-4f45-9708-019B960494DF}">
-                <a14:hiddenLine xmlns="" xmlns:a14="http://schemas.microsoft.com/office/drawing/2010/main" w="9525">
+                <a14:hiddenLine xmlns:a14="http://schemas.microsoft.com/office/drawing/2010/main" xmlns="" w="9525">
                   <a:solidFill>
                     <a:srgbClr val="000000"/>
                   </a:solidFill>
@@ -3736,7 +3736,7 @@
             </a:ln>
             <a:extLst>
               <a:ext uri="{91240B29-F687-4f45-9708-019B960494DF}">
-                <a14:hiddenLine xmlns="" xmlns:a14="http://schemas.microsoft.com/office/drawing/2010/main" w="9525">
+                <a14:hiddenLine xmlns:a14="http://schemas.microsoft.com/office/drawing/2010/main" xmlns="" w="9525">
                   <a:solidFill>
                     <a:srgbClr val="000000"/>
                   </a:solidFill>
@@ -3826,7 +3826,7 @@
             </a:ln>
             <a:extLst>
               <a:ext uri="{91240B29-F687-4f45-9708-019B960494DF}">
-                <a14:hiddenLine xmlns="" xmlns:a14="http://schemas.microsoft.com/office/drawing/2010/main" w="9525">
+                <a14:hiddenLine xmlns:a14="http://schemas.microsoft.com/office/drawing/2010/main" xmlns="" w="9525">
                   <a:solidFill>
                     <a:srgbClr val="000000"/>
                   </a:solidFill>
@@ -3916,7 +3916,7 @@
             </a:ln>
             <a:extLst>
               <a:ext uri="{91240B29-F687-4f45-9708-019B960494DF}">
-                <a14:hiddenLine xmlns="" xmlns:a14="http://schemas.microsoft.com/office/drawing/2010/main" w="9525">
+                <a14:hiddenLine xmlns:a14="http://schemas.microsoft.com/office/drawing/2010/main" xmlns="" w="9525">
                   <a:solidFill>
                     <a:srgbClr val="000000"/>
                   </a:solidFill>
@@ -3978,7 +3978,7 @@
             </a:ln>
             <a:extLst>
               <a:ext uri="{91240B29-F687-4f45-9708-019B960494DF}">
-                <a14:hiddenLine xmlns="" xmlns:a14="http://schemas.microsoft.com/office/drawing/2010/main" w="9525">
+                <a14:hiddenLine xmlns:a14="http://schemas.microsoft.com/office/drawing/2010/main" xmlns="" w="9525">
                   <a:solidFill>
                     <a:srgbClr val="000000"/>
                   </a:solidFill>
@@ -4098,7 +4098,7 @@
             </a:ln>
             <a:extLst>
               <a:ext uri="{91240B29-F687-4f45-9708-019B960494DF}">
-                <a14:hiddenLine xmlns="" xmlns:a14="http://schemas.microsoft.com/office/drawing/2010/main" w="9525">
+                <a14:hiddenLine xmlns:a14="http://schemas.microsoft.com/office/drawing/2010/main" xmlns="" w="9525">
                   <a:solidFill>
                     <a:srgbClr val="000000"/>
                   </a:solidFill>
@@ -4166,7 +4166,7 @@
             </a:ln>
             <a:extLst>
               <a:ext uri="{91240B29-F687-4f45-9708-019B960494DF}">
-                <a14:hiddenLine xmlns="" xmlns:a14="http://schemas.microsoft.com/office/drawing/2010/main" w="9525">
+                <a14:hiddenLine xmlns:a14="http://schemas.microsoft.com/office/drawing/2010/main" xmlns="" w="9525">
                   <a:solidFill>
                     <a:srgbClr val="000000"/>
                   </a:solidFill>
@@ -4256,7 +4256,7 @@
             </a:ln>
             <a:extLst>
               <a:ext uri="{91240B29-F687-4f45-9708-019B960494DF}">
-                <a14:hiddenLine xmlns="" xmlns:a14="http://schemas.microsoft.com/office/drawing/2010/main" w="9525">
+                <a14:hiddenLine xmlns:a14="http://schemas.microsoft.com/office/drawing/2010/main" xmlns="" w="9525">
                   <a:solidFill>
                     <a:srgbClr val="000000"/>
                   </a:solidFill>
@@ -4396,7 +4396,7 @@
           <a:p>
             <a:fld id="{48A87A34-81AB-432B-8DAE-1953F412C126}" type="datetimeFigureOut">
               <a:rPr lang="en-US" dirty="0"/>
-              <a:t>2/22/21</a:t>
+              <a:t>2/24/21</a:t>
             </a:fld>
             <a:endParaRPr lang="en-US" dirty="0"/>
           </a:p>
@@ -4658,7 +4658,7 @@
           <a:p>
             <a:fld id="{48A87A34-81AB-432B-8DAE-1953F412C126}" type="datetimeFigureOut">
               <a:rPr lang="en-US" dirty="0"/>
-              <a:t>2/22/21</a:t>
+              <a:t>2/24/21</a:t>
             </a:fld>
             <a:endParaRPr lang="en-US" dirty="0"/>
           </a:p>
@@ -4849,7 +4849,7 @@
           <a:p>
             <a:fld id="{48A87A34-81AB-432B-8DAE-1953F412C126}" type="datetimeFigureOut">
               <a:rPr lang="en-US" dirty="0"/>
-              <a:t>2/22/21</a:t>
+              <a:t>2/24/21</a:t>
             </a:fld>
             <a:endParaRPr lang="en-US" dirty="0"/>
           </a:p>
@@ -5107,7 +5107,7 @@
           <a:p>
             <a:fld id="{48A87A34-81AB-432B-8DAE-1953F412C126}" type="datetimeFigureOut">
               <a:rPr lang="en-US" dirty="0"/>
-              <a:t>2/22/21</a:t>
+              <a:t>2/24/21</a:t>
             </a:fld>
             <a:endParaRPr lang="en-US" dirty="0"/>
           </a:p>
@@ -5536,7 +5536,7 @@
           <a:p>
             <a:fld id="{48A87A34-81AB-432B-8DAE-1953F412C126}" type="datetimeFigureOut">
               <a:rPr lang="en-US" dirty="0"/>
-              <a:t>2/22/21</a:t>
+              <a:t>2/24/21</a:t>
             </a:fld>
             <a:endParaRPr lang="en-US" dirty="0"/>
           </a:p>
@@ -6077,7 +6077,7 @@
           <a:p>
             <a:fld id="{48A87A34-81AB-432B-8DAE-1953F412C126}" type="datetimeFigureOut">
               <a:rPr lang="en-US" dirty="0"/>
-              <a:t>2/22/21</a:t>
+              <a:t>2/24/21</a:t>
             </a:fld>
             <a:endParaRPr lang="en-US" dirty="0"/>
           </a:p>
@@ -6792,7 +6792,7 @@
           <a:p>
             <a:fld id="{48A87A34-81AB-432B-8DAE-1953F412C126}" type="datetimeFigureOut">
               <a:rPr lang="en-US" dirty="0"/>
-              <a:t>2/22/21</a:t>
+              <a:t>2/24/21</a:t>
             </a:fld>
             <a:endParaRPr lang="en-US" dirty="0"/>
           </a:p>
@@ -6957,7 +6957,7 @@
           <a:p>
             <a:fld id="{48A87A34-81AB-432B-8DAE-1953F412C126}" type="datetimeFigureOut">
               <a:rPr lang="en-US" dirty="0"/>
-              <a:t>2/22/21</a:t>
+              <a:t>2/24/21</a:t>
             </a:fld>
             <a:endParaRPr lang="en-US" dirty="0"/>
           </a:p>
@@ -7132,7 +7132,7 @@
           <a:p>
             <a:fld id="{48A87A34-81AB-432B-8DAE-1953F412C126}" type="datetimeFigureOut">
               <a:rPr lang="en-US" dirty="0"/>
-              <a:t>2/22/21</a:t>
+              <a:t>2/24/21</a:t>
             </a:fld>
             <a:endParaRPr lang="en-US" dirty="0"/>
           </a:p>
@@ -7297,7 +7297,7 @@
           <a:p>
             <a:fld id="{48A87A34-81AB-432B-8DAE-1953F412C126}" type="datetimeFigureOut">
               <a:rPr lang="en-US" dirty="0"/>
-              <a:t>2/22/21</a:t>
+              <a:t>2/24/21</a:t>
             </a:fld>
             <a:endParaRPr lang="en-US" dirty="0"/>
           </a:p>
@@ -7542,7 +7542,7 @@
           <a:p>
             <a:fld id="{48A87A34-81AB-432B-8DAE-1953F412C126}" type="datetimeFigureOut">
               <a:rPr lang="en-US" dirty="0"/>
-              <a:t>2/22/21</a:t>
+              <a:t>2/24/21</a:t>
             </a:fld>
             <a:endParaRPr lang="en-US" dirty="0"/>
           </a:p>
@@ -7769,7 +7769,7 @@
           <a:p>
             <a:fld id="{48A87A34-81AB-432B-8DAE-1953F412C126}" type="datetimeFigureOut">
               <a:rPr lang="en-US" dirty="0"/>
-              <a:t>2/22/21</a:t>
+              <a:t>2/24/21</a:t>
             </a:fld>
             <a:endParaRPr lang="en-US" dirty="0"/>
           </a:p>
@@ -8145,7 +8145,7 @@
           <a:p>
             <a:fld id="{48A87A34-81AB-432B-8DAE-1953F412C126}" type="datetimeFigureOut">
               <a:rPr lang="en-US" dirty="0"/>
-              <a:t>2/22/21</a:t>
+              <a:t>2/24/21</a:t>
             </a:fld>
             <a:endParaRPr lang="en-US" dirty="0"/>
           </a:p>
@@ -8258,7 +8258,7 @@
           <a:p>
             <a:fld id="{48A87A34-81AB-432B-8DAE-1953F412C126}" type="datetimeFigureOut">
               <a:rPr lang="en-US" dirty="0"/>
-              <a:t>2/22/21</a:t>
+              <a:t>2/24/21</a:t>
             </a:fld>
             <a:endParaRPr lang="en-US" dirty="0"/>
           </a:p>
@@ -8348,7 +8348,7 @@
           <a:p>
             <a:fld id="{48A87A34-81AB-432B-8DAE-1953F412C126}" type="datetimeFigureOut">
               <a:rPr lang="en-US" dirty="0"/>
-              <a:t>2/22/21</a:t>
+              <a:t>2/24/21</a:t>
             </a:fld>
             <a:endParaRPr lang="en-US" dirty="0"/>
           </a:p>
@@ -8592,7 +8592,7 @@
           <a:p>
             <a:fld id="{48A87A34-81AB-432B-8DAE-1953F412C126}" type="datetimeFigureOut">
               <a:rPr lang="en-US" dirty="0"/>
-              <a:t>2/22/21</a:t>
+              <a:t>2/24/21</a:t>
             </a:fld>
             <a:endParaRPr lang="en-US" dirty="0"/>
           </a:p>
@@ -8867,7 +8867,7 @@
           <a:p>
             <a:fld id="{48A87A34-81AB-432B-8DAE-1953F412C126}" type="datetimeFigureOut">
               <a:rPr lang="en-US" dirty="0"/>
-              <a:t>2/22/21</a:t>
+              <a:t>2/24/21</a:t>
             </a:fld>
             <a:endParaRPr lang="en-US" dirty="0"/>
           </a:p>
@@ -8978,7 +8978,7 @@
           <a:noFill/>
           <a:extLst>
             <a:ext uri="{909E8E84-426E-40dd-AFC4-6F175D3DCCD1}">
-              <a14:hiddenFill xmlns="" xmlns:a14="http://schemas.microsoft.com/office/drawing/2010/main">
+              <a14:hiddenFill xmlns:a14="http://schemas.microsoft.com/office/drawing/2010/main" xmlns="">
                 <a:solidFill>
                   <a:srgbClr val="FFFFFF"/>
                 </a:solidFill>
@@ -9052,7 +9052,7 @@
               </a:ln>
               <a:extLst>
                 <a:ext uri="{91240B29-F687-4f45-9708-019B960494DF}">
-                  <a14:hiddenLine xmlns="" xmlns:a14="http://schemas.microsoft.com/office/drawing/2010/main" w="9525">
+                  <a14:hiddenLine xmlns:a14="http://schemas.microsoft.com/office/drawing/2010/main" xmlns="" w="9525">
                     <a:solidFill>
                       <a:srgbClr val="000000"/>
                     </a:solidFill>
@@ -9142,7 +9142,7 @@
               </a:ln>
               <a:extLst>
                 <a:ext uri="{91240B29-F687-4f45-9708-019B960494DF}">
-                  <a14:hiddenLine xmlns="" xmlns:a14="http://schemas.microsoft.com/office/drawing/2010/main" w="9525">
+                  <a14:hiddenLine xmlns:a14="http://schemas.microsoft.com/office/drawing/2010/main" xmlns="" w="9525">
                     <a:solidFill>
                       <a:srgbClr val="000000"/>
                     </a:solidFill>
@@ -9232,7 +9232,7 @@
               </a:ln>
               <a:extLst>
                 <a:ext uri="{91240B29-F687-4f45-9708-019B960494DF}">
-                  <a14:hiddenLine xmlns="" xmlns:a14="http://schemas.microsoft.com/office/drawing/2010/main" w="9525">
+                  <a14:hiddenLine xmlns:a14="http://schemas.microsoft.com/office/drawing/2010/main" xmlns="" w="9525">
                     <a:solidFill>
                       <a:srgbClr val="000000"/>
                     </a:solidFill>
@@ -9294,7 +9294,7 @@
               </a:ln>
               <a:extLst>
                 <a:ext uri="{91240B29-F687-4f45-9708-019B960494DF}">
-                  <a14:hiddenLine xmlns="" xmlns:a14="http://schemas.microsoft.com/office/drawing/2010/main" w="9525">
+                  <a14:hiddenLine xmlns:a14="http://schemas.microsoft.com/office/drawing/2010/main" xmlns="" w="9525">
                     <a:solidFill>
                       <a:srgbClr val="000000"/>
                     </a:solidFill>
@@ -9384,7 +9384,7 @@
               </a:ln>
               <a:extLst>
                 <a:ext uri="{91240B29-F687-4f45-9708-019B960494DF}">
-                  <a14:hiddenLine xmlns="" xmlns:a14="http://schemas.microsoft.com/office/drawing/2010/main" w="9525">
+                  <a14:hiddenLine xmlns:a14="http://schemas.microsoft.com/office/drawing/2010/main" xmlns="" w="9525">
                     <a:solidFill>
                       <a:srgbClr val="000000"/>
                     </a:solidFill>
@@ -9446,7 +9446,7 @@
               </a:ln>
               <a:extLst>
                 <a:ext uri="{91240B29-F687-4f45-9708-019B960494DF}">
-                  <a14:hiddenLine xmlns="" xmlns:a14="http://schemas.microsoft.com/office/drawing/2010/main" w="9525">
+                  <a14:hiddenLine xmlns:a14="http://schemas.microsoft.com/office/drawing/2010/main" xmlns="" w="9525">
                     <a:solidFill>
                       <a:srgbClr val="000000"/>
                     </a:solidFill>
@@ -9508,7 +9508,7 @@
               </a:ln>
               <a:extLst>
                 <a:ext uri="{91240B29-F687-4f45-9708-019B960494DF}">
-                  <a14:hiddenLine xmlns="" xmlns:a14="http://schemas.microsoft.com/office/drawing/2010/main" w="9525">
+                  <a14:hiddenLine xmlns:a14="http://schemas.microsoft.com/office/drawing/2010/main" xmlns="" w="9525">
                     <a:solidFill>
                       <a:srgbClr val="000000"/>
                     </a:solidFill>
@@ -9598,7 +9598,7 @@
               </a:ln>
               <a:extLst>
                 <a:ext uri="{91240B29-F687-4f45-9708-019B960494DF}">
-                  <a14:hiddenLine xmlns="" xmlns:a14="http://schemas.microsoft.com/office/drawing/2010/main" w="9525">
+                  <a14:hiddenLine xmlns:a14="http://schemas.microsoft.com/office/drawing/2010/main" xmlns="" w="9525">
                     <a:solidFill>
                       <a:srgbClr val="000000"/>
                     </a:solidFill>
@@ -9688,7 +9688,7 @@
               </a:ln>
               <a:extLst>
                 <a:ext uri="{91240B29-F687-4f45-9708-019B960494DF}">
-                  <a14:hiddenLine xmlns="" xmlns:a14="http://schemas.microsoft.com/office/drawing/2010/main" w="9525">
+                  <a14:hiddenLine xmlns:a14="http://schemas.microsoft.com/office/drawing/2010/main" xmlns="" w="9525">
                     <a:solidFill>
                       <a:srgbClr val="000000"/>
                     </a:solidFill>
@@ -9750,7 +9750,7 @@
               </a:ln>
               <a:extLst>
                 <a:ext uri="{91240B29-F687-4f45-9708-019B960494DF}">
-                  <a14:hiddenLine xmlns="" xmlns:a14="http://schemas.microsoft.com/office/drawing/2010/main" w="9525">
+                  <a14:hiddenLine xmlns:a14="http://schemas.microsoft.com/office/drawing/2010/main" xmlns="" w="9525">
                     <a:solidFill>
                       <a:srgbClr val="000000"/>
                     </a:solidFill>
@@ -9860,7 +9860,7 @@
               </a:ln>
               <a:extLst>
                 <a:ext uri="{91240B29-F687-4f45-9708-019B960494DF}">
-                  <a14:hiddenLine xmlns="" xmlns:a14="http://schemas.microsoft.com/office/drawing/2010/main" w="9525">
+                  <a14:hiddenLine xmlns:a14="http://schemas.microsoft.com/office/drawing/2010/main" xmlns="" w="9525">
                     <a:solidFill>
                       <a:srgbClr val="000000"/>
                     </a:solidFill>
@@ -9944,7 +9944,7 @@
               </a:ln>
               <a:extLst>
                 <a:ext uri="{91240B29-F687-4f45-9708-019B960494DF}">
-                  <a14:hiddenLine xmlns="" xmlns:a14="http://schemas.microsoft.com/office/drawing/2010/main" w="9525">
+                  <a14:hiddenLine xmlns:a14="http://schemas.microsoft.com/office/drawing/2010/main" xmlns="" w="9525">
                     <a:solidFill>
                       <a:srgbClr val="000000"/>
                     </a:solidFill>
@@ -10006,7 +10006,7 @@
               </a:ln>
               <a:extLst>
                 <a:ext uri="{91240B29-F687-4f45-9708-019B960494DF}">
-                  <a14:hiddenLine xmlns="" xmlns:a14="http://schemas.microsoft.com/office/drawing/2010/main" w="9525">
+                  <a14:hiddenLine xmlns:a14="http://schemas.microsoft.com/office/drawing/2010/main" xmlns="" w="9525">
                     <a:solidFill>
                       <a:srgbClr val="000000"/>
                     </a:solidFill>
@@ -10068,7 +10068,7 @@
               </a:ln>
               <a:extLst>
                 <a:ext uri="{91240B29-F687-4f45-9708-019B960494DF}">
-                  <a14:hiddenLine xmlns="" xmlns:a14="http://schemas.microsoft.com/office/drawing/2010/main" w="9525">
+                  <a14:hiddenLine xmlns:a14="http://schemas.microsoft.com/office/drawing/2010/main" xmlns="" w="9525">
                     <a:solidFill>
                       <a:srgbClr val="000000"/>
                     </a:solidFill>
@@ -10158,7 +10158,7 @@
               </a:ln>
               <a:extLst>
                 <a:ext uri="{91240B29-F687-4f45-9708-019B960494DF}">
-                  <a14:hiddenLine xmlns="" xmlns:a14="http://schemas.microsoft.com/office/drawing/2010/main" w="9525">
+                  <a14:hiddenLine xmlns:a14="http://schemas.microsoft.com/office/drawing/2010/main" xmlns="" w="9525">
                     <a:solidFill>
                       <a:srgbClr val="000000"/>
                     </a:solidFill>
@@ -10192,7 +10192,7 @@
               </a:ln>
               <a:extLst>
                 <a:ext uri="{91240B29-F687-4f45-9708-019B960494DF}">
-                  <a14:hiddenLine xmlns="" xmlns:a14="http://schemas.microsoft.com/office/drawing/2010/main" w="9525">
+                  <a14:hiddenLine xmlns:a14="http://schemas.microsoft.com/office/drawing/2010/main" xmlns="" w="9525">
                     <a:solidFill>
                       <a:srgbClr val="000000"/>
                     </a:solidFill>
@@ -10257,7 +10257,7 @@
               </a:ln>
               <a:extLst>
                 <a:ext uri="{91240B29-F687-4f45-9708-019B960494DF}">
-                  <a14:hiddenLine xmlns="" xmlns:a14="http://schemas.microsoft.com/office/drawing/2010/main" w="9525">
+                  <a14:hiddenLine xmlns:a14="http://schemas.microsoft.com/office/drawing/2010/main" xmlns="" w="9525">
                     <a:solidFill>
                       <a:srgbClr val="000000"/>
                     </a:solidFill>
@@ -10347,7 +10347,7 @@
               </a:ln>
               <a:extLst>
                 <a:ext uri="{91240B29-F687-4f45-9708-019B960494DF}">
-                  <a14:hiddenLine xmlns="" xmlns:a14="http://schemas.microsoft.com/office/drawing/2010/main" w="9525">
+                  <a14:hiddenLine xmlns:a14="http://schemas.microsoft.com/office/drawing/2010/main" xmlns="" w="9525">
                     <a:solidFill>
                       <a:srgbClr val="000000"/>
                     </a:solidFill>
@@ -10409,7 +10409,7 @@
               </a:ln>
               <a:extLst>
                 <a:ext uri="{91240B29-F687-4f45-9708-019B960494DF}">
-                  <a14:hiddenLine xmlns="" xmlns:a14="http://schemas.microsoft.com/office/drawing/2010/main" w="9525">
+                  <a14:hiddenLine xmlns:a14="http://schemas.microsoft.com/office/drawing/2010/main" xmlns="" w="9525">
                     <a:solidFill>
                       <a:srgbClr val="000000"/>
                     </a:solidFill>
@@ -10499,7 +10499,7 @@
               </a:ln>
               <a:extLst>
                 <a:ext uri="{91240B29-F687-4f45-9708-019B960494DF}">
-                  <a14:hiddenLine xmlns="" xmlns:a14="http://schemas.microsoft.com/office/drawing/2010/main" w="9525">
+                  <a14:hiddenLine xmlns:a14="http://schemas.microsoft.com/office/drawing/2010/main" xmlns="" w="9525">
                     <a:solidFill>
                       <a:srgbClr val="000000"/>
                     </a:solidFill>
@@ -10564,7 +10564,7 @@
               </a:ln>
               <a:extLst>
                 <a:ext uri="{91240B29-F687-4f45-9708-019B960494DF}">
-                  <a14:hiddenLine xmlns="" xmlns:a14="http://schemas.microsoft.com/office/drawing/2010/main" w="9525">
+                  <a14:hiddenLine xmlns:a14="http://schemas.microsoft.com/office/drawing/2010/main" xmlns="" w="9525">
                     <a:solidFill>
                       <a:srgbClr val="000000"/>
                     </a:solidFill>
@@ -10626,7 +10626,7 @@
               </a:ln>
               <a:extLst>
                 <a:ext uri="{91240B29-F687-4f45-9708-019B960494DF}">
-                  <a14:hiddenLine xmlns="" xmlns:a14="http://schemas.microsoft.com/office/drawing/2010/main" w="9525">
+                  <a14:hiddenLine xmlns:a14="http://schemas.microsoft.com/office/drawing/2010/main" xmlns="" w="9525">
                     <a:solidFill>
                       <a:srgbClr val="000000"/>
                     </a:solidFill>
@@ -10716,7 +10716,7 @@
               </a:ln>
               <a:extLst>
                 <a:ext uri="{91240B29-F687-4f45-9708-019B960494DF}">
-                  <a14:hiddenLine xmlns="" xmlns:a14="http://schemas.microsoft.com/office/drawing/2010/main" w="9525">
+                  <a14:hiddenLine xmlns:a14="http://schemas.microsoft.com/office/drawing/2010/main" xmlns="" w="9525">
                     <a:solidFill>
                       <a:srgbClr val="000000"/>
                     </a:solidFill>
@@ -10806,7 +10806,7 @@
               </a:ln>
               <a:extLst>
                 <a:ext uri="{91240B29-F687-4f45-9708-019B960494DF}">
-                  <a14:hiddenLine xmlns="" xmlns:a14="http://schemas.microsoft.com/office/drawing/2010/main" w="9525">
+                  <a14:hiddenLine xmlns:a14="http://schemas.microsoft.com/office/drawing/2010/main" xmlns="" w="9525">
                     <a:solidFill>
                       <a:srgbClr val="000000"/>
                     </a:solidFill>
@@ -10871,7 +10871,7 @@
               </a:ln>
               <a:extLst>
                 <a:ext uri="{91240B29-F687-4f45-9708-019B960494DF}">
-                  <a14:hiddenLine xmlns="" xmlns:a14="http://schemas.microsoft.com/office/drawing/2010/main" w="9525">
+                  <a14:hiddenLine xmlns:a14="http://schemas.microsoft.com/office/drawing/2010/main" xmlns="" w="9525">
                     <a:solidFill>
                       <a:srgbClr val="000000"/>
                     </a:solidFill>
@@ -10991,7 +10991,7 @@
               </a:ln>
               <a:extLst>
                 <a:ext uri="{91240B29-F687-4f45-9708-019B960494DF}">
-                  <a14:hiddenLine xmlns="" xmlns:a14="http://schemas.microsoft.com/office/drawing/2010/main" w="9525">
+                  <a14:hiddenLine xmlns:a14="http://schemas.microsoft.com/office/drawing/2010/main" xmlns="" w="9525">
                     <a:solidFill>
                       <a:srgbClr val="000000"/>
                     </a:solidFill>
@@ -11089,7 +11089,7 @@
               </a:ln>
               <a:extLst>
                 <a:ext uri="{91240B29-F687-4f45-9708-019B960494DF}">
-                  <a14:hiddenLine xmlns="" xmlns:a14="http://schemas.microsoft.com/office/drawing/2010/main" w="9525">
+                  <a14:hiddenLine xmlns:a14="http://schemas.microsoft.com/office/drawing/2010/main" xmlns="" w="9525">
                     <a:solidFill>
                       <a:srgbClr val="000000"/>
                     </a:solidFill>
@@ -11204,7 +11204,7 @@
               </a:ln>
               <a:extLst>
                 <a:ext uri="{91240B29-F687-4f45-9708-019B960494DF}">
-                  <a14:hiddenLine xmlns="" xmlns:a14="http://schemas.microsoft.com/office/drawing/2010/main" w="9525">
+                  <a14:hiddenLine xmlns:a14="http://schemas.microsoft.com/office/drawing/2010/main" xmlns="" w="9525">
                     <a:solidFill>
                       <a:srgbClr val="000000"/>
                     </a:solidFill>
@@ -11294,7 +11294,7 @@
               </a:ln>
               <a:extLst>
                 <a:ext uri="{91240B29-F687-4f45-9708-019B960494DF}">
-                  <a14:hiddenLine xmlns="" xmlns:a14="http://schemas.microsoft.com/office/drawing/2010/main" w="9525">
+                  <a14:hiddenLine xmlns:a14="http://schemas.microsoft.com/office/drawing/2010/main" xmlns="" w="9525">
                     <a:solidFill>
                       <a:srgbClr val="000000"/>
                     </a:solidFill>
@@ -11359,7 +11359,7 @@
               </a:ln>
               <a:extLst>
                 <a:ext uri="{91240B29-F687-4f45-9708-019B960494DF}">
-                  <a14:hiddenLine xmlns="" xmlns:a14="http://schemas.microsoft.com/office/drawing/2010/main" w="9525">
+                  <a14:hiddenLine xmlns:a14="http://schemas.microsoft.com/office/drawing/2010/main" xmlns="" w="9525">
                     <a:solidFill>
                       <a:srgbClr val="000000"/>
                     </a:solidFill>
@@ -11449,7 +11449,7 @@
               </a:ln>
               <a:extLst>
                 <a:ext uri="{91240B29-F687-4f45-9708-019B960494DF}">
-                  <a14:hiddenLine xmlns="" xmlns:a14="http://schemas.microsoft.com/office/drawing/2010/main" w="9525">
+                  <a14:hiddenLine xmlns:a14="http://schemas.microsoft.com/office/drawing/2010/main" xmlns="" w="9525">
                     <a:solidFill>
                       <a:srgbClr val="000000"/>
                     </a:solidFill>
@@ -11517,7 +11517,7 @@
               </a:ln>
               <a:extLst>
                 <a:ext uri="{91240B29-F687-4f45-9708-019B960494DF}">
-                  <a14:hiddenLine xmlns="" xmlns:a14="http://schemas.microsoft.com/office/drawing/2010/main" w="9525">
+                  <a14:hiddenLine xmlns:a14="http://schemas.microsoft.com/office/drawing/2010/main" xmlns="" w="9525">
                     <a:solidFill>
                       <a:srgbClr val="000000"/>
                     </a:solidFill>
@@ -11607,7 +11607,7 @@
               </a:ln>
               <a:extLst>
                 <a:ext uri="{91240B29-F687-4f45-9708-019B960494DF}">
-                  <a14:hiddenLine xmlns="" xmlns:a14="http://schemas.microsoft.com/office/drawing/2010/main" w="9525">
+                  <a14:hiddenLine xmlns:a14="http://schemas.microsoft.com/office/drawing/2010/main" xmlns="" w="9525">
                     <a:solidFill>
                       <a:srgbClr val="000000"/>
                     </a:solidFill>
@@ -11675,7 +11675,7 @@
               </a:ln>
               <a:extLst>
                 <a:ext uri="{91240B29-F687-4f45-9708-019B960494DF}">
-                  <a14:hiddenLine xmlns="" xmlns:a14="http://schemas.microsoft.com/office/drawing/2010/main" w="9525">
+                  <a14:hiddenLine xmlns:a14="http://schemas.microsoft.com/office/drawing/2010/main" xmlns="" w="9525">
                     <a:solidFill>
                       <a:srgbClr val="000000"/>
                     </a:solidFill>
@@ -11765,7 +11765,7 @@
               </a:ln>
               <a:extLst>
                 <a:ext uri="{91240B29-F687-4f45-9708-019B960494DF}">
-                  <a14:hiddenLine xmlns="" xmlns:a14="http://schemas.microsoft.com/office/drawing/2010/main" w="9525">
+                  <a14:hiddenLine xmlns:a14="http://schemas.microsoft.com/office/drawing/2010/main" xmlns="" w="9525">
                     <a:solidFill>
                       <a:srgbClr val="000000"/>
                     </a:solidFill>
@@ -11799,7 +11799,7 @@
               </a:ln>
               <a:extLst>
                 <a:ext uri="{91240B29-F687-4f45-9708-019B960494DF}">
-                  <a14:hiddenLine xmlns="" xmlns:a14="http://schemas.microsoft.com/office/drawing/2010/main" w="9525">
+                  <a14:hiddenLine xmlns:a14="http://schemas.microsoft.com/office/drawing/2010/main" xmlns="" w="9525">
                     <a:solidFill>
                       <a:srgbClr val="000000"/>
                     </a:solidFill>
@@ -11940,7 +11940,7 @@
             <a:fld id="{48A87A34-81AB-432B-8DAE-1953F412C126}" type="datetimeFigureOut">
               <a:rPr lang="en-US" dirty="0"/>
               <a:pPr/>
-              <a:t>2/22/21</a:t>
+              <a:t>2/24/21</a:t>
             </a:fld>
             <a:endParaRPr lang="en-US" dirty="0"/>
           </a:p>
@@ -12505,7 +12505,7 @@
         </p:spPr>
         <p:txBody>
           <a:bodyPr>
-            <a:normAutofit/>
+            <a:normAutofit fontScale="92500" lnSpcReduction="10000"/>
           </a:bodyPr>
           <a:lstStyle/>
           <a:p>
@@ -12513,15 +12513,15 @@
               <a:buNone/>
             </a:pPr>
             <a:r>
-              <a:rPr lang="en-AU" sz="1600" dirty="0"/>
+              <a:rPr lang="en-AU" sz="1800" dirty="0"/>
               <a:t>“… </a:t>
             </a:r>
             <a:r>
-              <a:rPr lang="en-AU" sz="1600" i="1" dirty="0"/>
+              <a:rPr lang="en-AU" sz="1800" i="1" dirty="0"/>
               <a:t>there seems to be something non-algorithmic about our conscious thinking. In particular, … that, at least in mathematics, conscious contemplation can sometimes enable one to ascertain the truth of a statement in a way that no algorithm could</a:t>
             </a:r>
             <a:r>
-              <a:rPr lang="en-AU" sz="1600" dirty="0"/>
+              <a:rPr lang="en-AU" sz="1800" dirty="0"/>
               <a:t>.”</a:t>
             </a:r>
           </a:p>
@@ -12533,23 +12533,23 @@
               <a:buNone/>
             </a:pPr>
             <a:br>
-              <a:rPr lang="en-AU" sz="1100" dirty="0"/>
+              <a:rPr lang="en-AU" sz="1200" dirty="0"/>
             </a:br>
             <a:r>
-              <a:rPr lang="en-AU" sz="1200" dirty="0"/>
+              <a:rPr lang="en-AU" sz="1400" dirty="0"/>
               <a:t>― </a:t>
             </a:r>
             <a:r>
-              <a:rPr lang="en-AU" sz="1200" b="1" dirty="0"/>
+              <a:rPr lang="en-AU" sz="1400" b="1" dirty="0"/>
               <a:t>Roger Penrose, </a:t>
             </a:r>
             <a:r>
-              <a:rPr lang="en-AU" sz="1200" b="1" dirty="0">
+              <a:rPr lang="en-AU" sz="1400" b="1" dirty="0">
                 <a:hlinkClick r:id="rId2"/>
               </a:rPr>
               <a:t>The Emperor's New Mind: Concerning Computers, Minds, and the Laws of Physics</a:t>
             </a:r>
-            <a:endParaRPr lang="en-US" sz="1100" dirty="0"/>
+            <a:endParaRPr lang="en-US" sz="1200" dirty="0"/>
           </a:p>
         </p:txBody>
       </p:sp>
@@ -12569,8 +12569,8 @@
         </p:nvSpPr>
         <p:spPr>
           <a:xfrm>
-            <a:off x="1005441" y="3224817"/>
-            <a:ext cx="8278767" cy="2385460"/>
+            <a:off x="854807" y="3568183"/>
+            <a:ext cx="8278767" cy="1233190"/>
           </a:xfrm>
           <a:prstGeom prst="rect">
             <a:avLst/>
@@ -12777,8 +12777,8 @@
         </p:nvSpPr>
         <p:spPr>
           <a:xfrm>
-            <a:off x="1005441" y="4801373"/>
-            <a:ext cx="7977500" cy="808904"/>
+            <a:off x="854807" y="4900699"/>
+            <a:ext cx="7977500" cy="488079"/>
           </a:xfrm>
           <a:prstGeom prst="rect">
             <a:avLst/>
@@ -13131,7 +13131,7 @@
           <a:noFill/>
           <a:extLst>
             <a:ext uri="{909E8E84-426E-40dd-AFC4-6F175D3DCCD1}">
-              <a14:hiddenFill xmlns:a14="http://schemas.microsoft.com/office/drawing/2010/main" xmlns:p14="http://schemas.microsoft.com/office/powerpoint/2010/main" xmlns:a16="http://schemas.microsoft.com/office/drawing/2014/main" xmlns="">
+              <a14:hiddenFill xmlns="" xmlns:a16="http://schemas.microsoft.com/office/drawing/2014/main" xmlns:p14="http://schemas.microsoft.com/office/powerpoint/2010/main" xmlns:a14="http://schemas.microsoft.com/office/drawing/2010/main">
                 <a:solidFill>
                   <a:srgbClr val="FFFFFF"/>
                 </a:solidFill>
@@ -13364,7 +13364,7 @@
             </a:ln>
             <a:extLst>
               <a:ext uri="{91240B29-F687-4f45-9708-019B960494DF}">
-                <a14:hiddenLine xmlns:a14="http://schemas.microsoft.com/office/drawing/2010/main" xmlns:p14="http://schemas.microsoft.com/office/powerpoint/2010/main" xmlns:a16="http://schemas.microsoft.com/office/drawing/2014/main" xmlns="" w="9525">
+                <a14:hiddenLine xmlns="" xmlns:a16="http://schemas.microsoft.com/office/drawing/2014/main" xmlns:p14="http://schemas.microsoft.com/office/powerpoint/2010/main" xmlns:a14="http://schemas.microsoft.com/office/drawing/2010/main" w="9525">
                   <a:solidFill>
                     <a:srgbClr val="000000"/>
                   </a:solidFill>
@@ -13469,7 +13469,7 @@
             </a:ln>
             <a:extLst>
               <a:ext uri="{91240B29-F687-4f45-9708-019B960494DF}">
-                <a14:hiddenLine xmlns:a14="http://schemas.microsoft.com/office/drawing/2010/main" xmlns:p14="http://schemas.microsoft.com/office/powerpoint/2010/main" xmlns:a16="http://schemas.microsoft.com/office/drawing/2014/main" xmlns="" w="9525">
+                <a14:hiddenLine xmlns="" xmlns:a16="http://schemas.microsoft.com/office/drawing/2014/main" xmlns:p14="http://schemas.microsoft.com/office/powerpoint/2010/main" xmlns:a14="http://schemas.microsoft.com/office/drawing/2010/main" w="9525">
                   <a:solidFill>
                     <a:srgbClr val="000000"/>
                   </a:solidFill>
@@ -13574,7 +13574,7 @@
             </a:ln>
             <a:extLst>
               <a:ext uri="{91240B29-F687-4f45-9708-019B960494DF}">
-                <a14:hiddenLine xmlns:a14="http://schemas.microsoft.com/office/drawing/2010/main" xmlns:p14="http://schemas.microsoft.com/office/powerpoint/2010/main" xmlns:a16="http://schemas.microsoft.com/office/drawing/2014/main" xmlns="" w="9525">
+                <a14:hiddenLine xmlns="" xmlns:a16="http://schemas.microsoft.com/office/drawing/2014/main" xmlns:p14="http://schemas.microsoft.com/office/powerpoint/2010/main" xmlns:a14="http://schemas.microsoft.com/office/drawing/2010/main" w="9525">
                   <a:solidFill>
                     <a:srgbClr val="000000"/>
                   </a:solidFill>
@@ -13651,7 +13651,7 @@
             </a:ln>
             <a:extLst>
               <a:ext uri="{91240B29-F687-4f45-9708-019B960494DF}">
-                <a14:hiddenLine xmlns:a14="http://schemas.microsoft.com/office/drawing/2010/main" xmlns:p14="http://schemas.microsoft.com/office/powerpoint/2010/main" xmlns:a16="http://schemas.microsoft.com/office/drawing/2014/main" xmlns="" w="9525">
+                <a14:hiddenLine xmlns="" xmlns:a16="http://schemas.microsoft.com/office/drawing/2014/main" xmlns:p14="http://schemas.microsoft.com/office/powerpoint/2010/main" xmlns:a14="http://schemas.microsoft.com/office/drawing/2010/main" w="9525">
                   <a:solidFill>
                     <a:srgbClr val="000000"/>
                   </a:solidFill>
@@ -13756,7 +13756,7 @@
             </a:ln>
             <a:extLst>
               <a:ext uri="{91240B29-F687-4f45-9708-019B960494DF}">
-                <a14:hiddenLine xmlns:a14="http://schemas.microsoft.com/office/drawing/2010/main" xmlns:p14="http://schemas.microsoft.com/office/powerpoint/2010/main" xmlns:a16="http://schemas.microsoft.com/office/drawing/2014/main" xmlns="" w="9525">
+                <a14:hiddenLine xmlns="" xmlns:a16="http://schemas.microsoft.com/office/drawing/2014/main" xmlns:p14="http://schemas.microsoft.com/office/powerpoint/2010/main" xmlns:a14="http://schemas.microsoft.com/office/drawing/2010/main" w="9525">
                   <a:solidFill>
                     <a:srgbClr val="000000"/>
                   </a:solidFill>
@@ -13833,7 +13833,7 @@
             </a:ln>
             <a:extLst>
               <a:ext uri="{91240B29-F687-4f45-9708-019B960494DF}">
-                <a14:hiddenLine xmlns:a14="http://schemas.microsoft.com/office/drawing/2010/main" xmlns:p14="http://schemas.microsoft.com/office/powerpoint/2010/main" xmlns:a16="http://schemas.microsoft.com/office/drawing/2014/main" xmlns="" w="9525">
+                <a14:hiddenLine xmlns="" xmlns:a16="http://schemas.microsoft.com/office/drawing/2014/main" xmlns:p14="http://schemas.microsoft.com/office/powerpoint/2010/main" xmlns:a14="http://schemas.microsoft.com/office/drawing/2010/main" w="9525">
                   <a:solidFill>
                     <a:srgbClr val="000000"/>
                   </a:solidFill>
@@ -13910,7 +13910,7 @@
             </a:ln>
             <a:extLst>
               <a:ext uri="{91240B29-F687-4f45-9708-019B960494DF}">
-                <a14:hiddenLine xmlns:a14="http://schemas.microsoft.com/office/drawing/2010/main" xmlns:p14="http://schemas.microsoft.com/office/powerpoint/2010/main" xmlns:a16="http://schemas.microsoft.com/office/drawing/2014/main" xmlns="" w="9525">
+                <a14:hiddenLine xmlns="" xmlns:a16="http://schemas.microsoft.com/office/drawing/2014/main" xmlns:p14="http://schemas.microsoft.com/office/powerpoint/2010/main" xmlns:a14="http://schemas.microsoft.com/office/drawing/2010/main" w="9525">
                   <a:solidFill>
                     <a:srgbClr val="000000"/>
                   </a:solidFill>
@@ -14015,7 +14015,7 @@
             </a:ln>
             <a:extLst>
               <a:ext uri="{91240B29-F687-4f45-9708-019B960494DF}">
-                <a14:hiddenLine xmlns:a14="http://schemas.microsoft.com/office/drawing/2010/main" xmlns:p14="http://schemas.microsoft.com/office/powerpoint/2010/main" xmlns:a16="http://schemas.microsoft.com/office/drawing/2014/main" xmlns="" w="9525">
+                <a14:hiddenLine xmlns="" xmlns:a16="http://schemas.microsoft.com/office/drawing/2014/main" xmlns:p14="http://schemas.microsoft.com/office/powerpoint/2010/main" xmlns:a14="http://schemas.microsoft.com/office/drawing/2010/main" w="9525">
                   <a:solidFill>
                     <a:srgbClr val="000000"/>
                   </a:solidFill>
@@ -14120,7 +14120,7 @@
             </a:ln>
             <a:extLst>
               <a:ext uri="{91240B29-F687-4f45-9708-019B960494DF}">
-                <a14:hiddenLine xmlns:a14="http://schemas.microsoft.com/office/drawing/2010/main" xmlns:p14="http://schemas.microsoft.com/office/powerpoint/2010/main" xmlns:a16="http://schemas.microsoft.com/office/drawing/2014/main" xmlns="" w="9525">
+                <a14:hiddenLine xmlns="" xmlns:a16="http://schemas.microsoft.com/office/drawing/2014/main" xmlns:p14="http://schemas.microsoft.com/office/powerpoint/2010/main" xmlns:a14="http://schemas.microsoft.com/office/drawing/2010/main" w="9525">
                   <a:solidFill>
                     <a:srgbClr val="000000"/>
                   </a:solidFill>
@@ -14197,7 +14197,7 @@
             </a:ln>
             <a:extLst>
               <a:ext uri="{91240B29-F687-4f45-9708-019B960494DF}">
-                <a14:hiddenLine xmlns:a14="http://schemas.microsoft.com/office/drawing/2010/main" xmlns:p14="http://schemas.microsoft.com/office/powerpoint/2010/main" xmlns:a16="http://schemas.microsoft.com/office/drawing/2014/main" xmlns="" w="9525">
+                <a14:hiddenLine xmlns="" xmlns:a16="http://schemas.microsoft.com/office/drawing/2014/main" xmlns:p14="http://schemas.microsoft.com/office/powerpoint/2010/main" xmlns:a14="http://schemas.microsoft.com/office/drawing/2010/main" w="9525">
                   <a:solidFill>
                     <a:srgbClr val="000000"/>
                   </a:solidFill>
@@ -14322,7 +14322,7 @@
             </a:ln>
             <a:extLst>
               <a:ext uri="{91240B29-F687-4f45-9708-019B960494DF}">
-                <a14:hiddenLine xmlns:a14="http://schemas.microsoft.com/office/drawing/2010/main" xmlns:p14="http://schemas.microsoft.com/office/powerpoint/2010/main" xmlns:a16="http://schemas.microsoft.com/office/drawing/2014/main" xmlns="" w="9525">
+                <a14:hiddenLine xmlns="" xmlns:a16="http://schemas.microsoft.com/office/drawing/2014/main" xmlns:p14="http://schemas.microsoft.com/office/powerpoint/2010/main" xmlns:a14="http://schemas.microsoft.com/office/drawing/2010/main" w="9525">
                   <a:solidFill>
                     <a:srgbClr val="000000"/>
                   </a:solidFill>
@@ -14436,7 +14436,7 @@
             </a:ln>
             <a:extLst>
               <a:ext uri="{91240B29-F687-4f45-9708-019B960494DF}">
-                <a14:hiddenLine xmlns:a14="http://schemas.microsoft.com/office/drawing/2010/main" xmlns:p14="http://schemas.microsoft.com/office/powerpoint/2010/main" xmlns:a16="http://schemas.microsoft.com/office/drawing/2014/main" xmlns="" w="9525">
+                <a14:hiddenLine xmlns="" xmlns:a16="http://schemas.microsoft.com/office/drawing/2014/main" xmlns:p14="http://schemas.microsoft.com/office/powerpoint/2010/main" xmlns:a14="http://schemas.microsoft.com/office/drawing/2010/main" w="9525">
                   <a:solidFill>
                     <a:srgbClr val="000000"/>
                   </a:solidFill>
@@ -14513,7 +14513,7 @@
             </a:ln>
             <a:extLst>
               <a:ext uri="{91240B29-F687-4f45-9708-019B960494DF}">
-                <a14:hiddenLine xmlns:a14="http://schemas.microsoft.com/office/drawing/2010/main" xmlns:p14="http://schemas.microsoft.com/office/powerpoint/2010/main" xmlns:a16="http://schemas.microsoft.com/office/drawing/2014/main" xmlns="" w="9525">
+                <a14:hiddenLine xmlns="" xmlns:a16="http://schemas.microsoft.com/office/drawing/2014/main" xmlns:p14="http://schemas.microsoft.com/office/powerpoint/2010/main" xmlns:a14="http://schemas.microsoft.com/office/drawing/2010/main" w="9525">
                   <a:solidFill>
                     <a:srgbClr val="000000"/>
                   </a:solidFill>
@@ -14590,7 +14590,7 @@
             </a:ln>
             <a:extLst>
               <a:ext uri="{91240B29-F687-4f45-9708-019B960494DF}">
-                <a14:hiddenLine xmlns:a14="http://schemas.microsoft.com/office/drawing/2010/main" xmlns:p14="http://schemas.microsoft.com/office/powerpoint/2010/main" xmlns:a16="http://schemas.microsoft.com/office/drawing/2014/main" xmlns="" w="9525">
+                <a14:hiddenLine xmlns="" xmlns:a16="http://schemas.microsoft.com/office/drawing/2014/main" xmlns:p14="http://schemas.microsoft.com/office/powerpoint/2010/main" xmlns:a14="http://schemas.microsoft.com/office/drawing/2010/main" w="9525">
                   <a:solidFill>
                     <a:srgbClr val="000000"/>
                   </a:solidFill>
@@ -14695,7 +14695,7 @@
             </a:ln>
             <a:extLst>
               <a:ext uri="{91240B29-F687-4f45-9708-019B960494DF}">
-                <a14:hiddenLine xmlns:a14="http://schemas.microsoft.com/office/drawing/2010/main" xmlns:p14="http://schemas.microsoft.com/office/powerpoint/2010/main" xmlns:a16="http://schemas.microsoft.com/office/drawing/2014/main" xmlns="" w="9525">
+                <a14:hiddenLine xmlns="" xmlns:a16="http://schemas.microsoft.com/office/drawing/2014/main" xmlns:p14="http://schemas.microsoft.com/office/powerpoint/2010/main" xmlns:a14="http://schemas.microsoft.com/office/drawing/2010/main" w="9525">
                   <a:solidFill>
                     <a:srgbClr val="000000"/>
                   </a:solidFill>
@@ -14744,7 +14744,7 @@
             </a:ln>
             <a:extLst>
               <a:ext uri="{91240B29-F687-4f45-9708-019B960494DF}">
-                <a14:hiddenLine xmlns:a14="http://schemas.microsoft.com/office/drawing/2010/main" xmlns:p14="http://schemas.microsoft.com/office/powerpoint/2010/main" xmlns:a16="http://schemas.microsoft.com/office/drawing/2014/main" xmlns="" w="9525">
+                <a14:hiddenLine xmlns="" xmlns:a16="http://schemas.microsoft.com/office/drawing/2014/main" xmlns:p14="http://schemas.microsoft.com/office/powerpoint/2010/main" xmlns:a14="http://schemas.microsoft.com/office/drawing/2010/main" w="9525">
                   <a:solidFill>
                     <a:srgbClr val="000000"/>
                   </a:solidFill>
@@ -14824,7 +14824,7 @@
             </a:ln>
             <a:extLst>
               <a:ext uri="{91240B29-F687-4f45-9708-019B960494DF}">
-                <a14:hiddenLine xmlns:a14="http://schemas.microsoft.com/office/drawing/2010/main" xmlns:p14="http://schemas.microsoft.com/office/powerpoint/2010/main" xmlns:a16="http://schemas.microsoft.com/office/drawing/2014/main" xmlns="" w="9525">
+                <a14:hiddenLine xmlns="" xmlns:a16="http://schemas.microsoft.com/office/drawing/2014/main" xmlns:p14="http://schemas.microsoft.com/office/powerpoint/2010/main" xmlns:a14="http://schemas.microsoft.com/office/drawing/2010/main" w="9525">
                   <a:solidFill>
                     <a:srgbClr val="000000"/>
                   </a:solidFill>
@@ -14929,7 +14929,7 @@
             </a:ln>
             <a:extLst>
               <a:ext uri="{91240B29-F687-4f45-9708-019B960494DF}">
-                <a14:hiddenLine xmlns:a14="http://schemas.microsoft.com/office/drawing/2010/main" xmlns:p14="http://schemas.microsoft.com/office/powerpoint/2010/main" xmlns:a16="http://schemas.microsoft.com/office/drawing/2014/main" xmlns="" w="9525">
+                <a14:hiddenLine xmlns="" xmlns:a16="http://schemas.microsoft.com/office/drawing/2014/main" xmlns:p14="http://schemas.microsoft.com/office/powerpoint/2010/main" xmlns:a14="http://schemas.microsoft.com/office/drawing/2010/main" w="9525">
                   <a:solidFill>
                     <a:srgbClr val="000000"/>
                   </a:solidFill>
@@ -15006,7 +15006,7 @@
             </a:ln>
             <a:extLst>
               <a:ext uri="{91240B29-F687-4f45-9708-019B960494DF}">
-                <a14:hiddenLine xmlns:a14="http://schemas.microsoft.com/office/drawing/2010/main" xmlns:p14="http://schemas.microsoft.com/office/powerpoint/2010/main" xmlns:a16="http://schemas.microsoft.com/office/drawing/2014/main" xmlns="" w="9525">
+                <a14:hiddenLine xmlns="" xmlns:a16="http://schemas.microsoft.com/office/drawing/2014/main" xmlns:p14="http://schemas.microsoft.com/office/powerpoint/2010/main" xmlns:a14="http://schemas.microsoft.com/office/drawing/2010/main" w="9525">
                   <a:solidFill>
                     <a:srgbClr val="000000"/>
                   </a:solidFill>
@@ -15111,7 +15111,7 @@
             </a:ln>
             <a:extLst>
               <a:ext uri="{91240B29-F687-4f45-9708-019B960494DF}">
-                <a14:hiddenLine xmlns:a14="http://schemas.microsoft.com/office/drawing/2010/main" xmlns:p14="http://schemas.microsoft.com/office/powerpoint/2010/main" xmlns:a16="http://schemas.microsoft.com/office/drawing/2014/main" xmlns="" w="9525">
+                <a14:hiddenLine xmlns="" xmlns:a16="http://schemas.microsoft.com/office/drawing/2014/main" xmlns:p14="http://schemas.microsoft.com/office/powerpoint/2010/main" xmlns:a14="http://schemas.microsoft.com/office/drawing/2010/main" w="9525">
                   <a:solidFill>
                     <a:srgbClr val="000000"/>
                   </a:solidFill>
@@ -15191,7 +15191,7 @@
             </a:ln>
             <a:extLst>
               <a:ext uri="{91240B29-F687-4f45-9708-019B960494DF}">
-                <a14:hiddenLine xmlns:a14="http://schemas.microsoft.com/office/drawing/2010/main" xmlns:p14="http://schemas.microsoft.com/office/powerpoint/2010/main" xmlns:a16="http://schemas.microsoft.com/office/drawing/2014/main" xmlns="" w="9525">
+                <a14:hiddenLine xmlns="" xmlns:a16="http://schemas.microsoft.com/office/drawing/2014/main" xmlns:p14="http://schemas.microsoft.com/office/powerpoint/2010/main" xmlns:a14="http://schemas.microsoft.com/office/drawing/2010/main" w="9525">
                   <a:solidFill>
                     <a:srgbClr val="000000"/>
                   </a:solidFill>
@@ -15268,7 +15268,7 @@
             </a:ln>
             <a:extLst>
               <a:ext uri="{91240B29-F687-4f45-9708-019B960494DF}">
-                <a14:hiddenLine xmlns:a14="http://schemas.microsoft.com/office/drawing/2010/main" xmlns:p14="http://schemas.microsoft.com/office/powerpoint/2010/main" xmlns:a16="http://schemas.microsoft.com/office/drawing/2014/main" xmlns="" w="9525">
+                <a14:hiddenLine xmlns="" xmlns:a16="http://schemas.microsoft.com/office/drawing/2014/main" xmlns:p14="http://schemas.microsoft.com/office/powerpoint/2010/main" xmlns:a14="http://schemas.microsoft.com/office/drawing/2010/main" w="9525">
                   <a:solidFill>
                     <a:srgbClr val="000000"/>
                   </a:solidFill>
@@ -15373,7 +15373,7 @@
             </a:ln>
             <a:extLst>
               <a:ext uri="{91240B29-F687-4f45-9708-019B960494DF}">
-                <a14:hiddenLine xmlns:a14="http://schemas.microsoft.com/office/drawing/2010/main" xmlns:p14="http://schemas.microsoft.com/office/powerpoint/2010/main" xmlns:a16="http://schemas.microsoft.com/office/drawing/2014/main" xmlns="" w="9525">
+                <a14:hiddenLine xmlns="" xmlns:a16="http://schemas.microsoft.com/office/drawing/2014/main" xmlns:p14="http://schemas.microsoft.com/office/powerpoint/2010/main" xmlns:a14="http://schemas.microsoft.com/office/drawing/2010/main" w="9525">
                   <a:solidFill>
                     <a:srgbClr val="000000"/>
                   </a:solidFill>
@@ -15478,7 +15478,7 @@
             </a:ln>
             <a:extLst>
               <a:ext uri="{91240B29-F687-4f45-9708-019B960494DF}">
-                <a14:hiddenLine xmlns:a14="http://schemas.microsoft.com/office/drawing/2010/main" xmlns:p14="http://schemas.microsoft.com/office/powerpoint/2010/main" xmlns:a16="http://schemas.microsoft.com/office/drawing/2014/main" xmlns="" w="9525">
+                <a14:hiddenLine xmlns="" xmlns:a16="http://schemas.microsoft.com/office/drawing/2014/main" xmlns:p14="http://schemas.microsoft.com/office/powerpoint/2010/main" xmlns:a14="http://schemas.microsoft.com/office/drawing/2010/main" w="9525">
                   <a:solidFill>
                     <a:srgbClr val="000000"/>
                   </a:solidFill>
@@ -15558,7 +15558,7 @@
             </a:ln>
             <a:extLst>
               <a:ext uri="{91240B29-F687-4f45-9708-019B960494DF}">
-                <a14:hiddenLine xmlns:a14="http://schemas.microsoft.com/office/drawing/2010/main" xmlns:p14="http://schemas.microsoft.com/office/powerpoint/2010/main" xmlns:a16="http://schemas.microsoft.com/office/drawing/2014/main" xmlns="" w="9525">
+                <a14:hiddenLine xmlns="" xmlns:a16="http://schemas.microsoft.com/office/drawing/2014/main" xmlns:p14="http://schemas.microsoft.com/office/powerpoint/2010/main" xmlns:a14="http://schemas.microsoft.com/office/drawing/2010/main" w="9525">
                   <a:solidFill>
                     <a:srgbClr val="000000"/>
                   </a:solidFill>
@@ -15693,7 +15693,7 @@
             </a:ln>
             <a:extLst>
               <a:ext uri="{91240B29-F687-4f45-9708-019B960494DF}">
-                <a14:hiddenLine xmlns:a14="http://schemas.microsoft.com/office/drawing/2010/main" xmlns:p14="http://schemas.microsoft.com/office/powerpoint/2010/main" xmlns:a16="http://schemas.microsoft.com/office/drawing/2014/main" xmlns="" w="9525">
+                <a14:hiddenLine xmlns="" xmlns:a16="http://schemas.microsoft.com/office/drawing/2014/main" xmlns:p14="http://schemas.microsoft.com/office/powerpoint/2010/main" xmlns:a14="http://schemas.microsoft.com/office/drawing/2010/main" w="9525">
                   <a:solidFill>
                     <a:srgbClr val="000000"/>
                   </a:solidFill>
@@ -16351,19 +16351,19 @@
         </p:spPr>
         <p:txBody>
           <a:bodyPr>
-            <a:normAutofit lnSpcReduction="10000"/>
+            <a:normAutofit/>
           </a:bodyPr>
           <a:lstStyle/>
           <a:p>
             <a:r>
               <a:rPr lang="en-US" sz="1400" dirty="0"/>
-              <a:t>Split time data consecutively – images are created from groups of 10 consecutive datapoints.</a:t>
+              <a:t>Split data consecutively – images are created from groups of 10 consecutive datapoints.</a:t>
             </a:r>
           </a:p>
           <a:p>
             <a:r>
               <a:rPr lang="en-US" sz="1400" dirty="0"/>
-              <a:t>GAM – 2D images that retain the angular relationships of a 1D vector.</a:t>
+              <a:t>GASF – 2D images that retain the angular relationships of a 1D series.</a:t>
             </a:r>
           </a:p>
           <a:p>
@@ -16375,7 +16375,7 @@
           <a:p>
             <a:r>
               <a:rPr lang="en-US" sz="1400" dirty="0"/>
-              <a:t>Conv2D – extract features from images.  Filters are trained on coarse shapes at first – subsequent convolutional layers will look for finer features.  Each filter identifying a different feature.  The output are ’convolved’ feature maps.  Feature maps are smaller than the input image.</a:t>
+              <a:t>Conv2D – extract features from images.  Filters are trained on coarse shapes at first – subsequent convolutional layers will look for finer features.  Each filter identifies a feature.  Output ’convolved’ feature maps.  Feature maps are smaller than the input image.</a:t>
             </a:r>
           </a:p>
           <a:p>
@@ -16387,7 +16387,7 @@
           <a:p>
             <a:r>
               <a:rPr lang="en-US" sz="1400" dirty="0"/>
-              <a:t>Flatten – transform the 2D images into a 1D vector easily consumed by a neural network.</a:t>
+              <a:t>Flatten – transform the 2D images into a 1D series easily consumed by a neural network.</a:t>
             </a:r>
           </a:p>
           <a:p>
@@ -17270,8 +17270,8 @@
         </p:nvSpPr>
         <p:spPr>
           <a:xfrm>
-            <a:off x="7923654" y="1838093"/>
-            <a:ext cx="3224341" cy="3547724"/>
+            <a:off x="7836958" y="1838092"/>
+            <a:ext cx="3224341" cy="4743477"/>
           </a:xfrm>
           <a:prstGeom prst="rect">
             <a:avLst/>
@@ -17477,10 +17477,7 @@
             </a:r>
           </a:p>
           <a:p>
-            <a:r>
-              <a:rPr lang="en-US" sz="1800" dirty="0"/>
-              <a:t>Model works reasonably well with other stocks since they have similar (random walk) characteristics.</a:t>
-            </a:r>
+            <a:endParaRPr lang="en-US" sz="1800" dirty="0"/>
           </a:p>
           <a:p>
             <a:pPr marL="0" indent="0">
@@ -17488,8 +17485,68 @@
             </a:pPr>
             <a:endParaRPr lang="en-US" sz="1800" dirty="0"/>
           </a:p>
+          <a:p>
+            <a:pPr marL="0" indent="0">
+              <a:buNone/>
+            </a:pPr>
+            <a:endParaRPr lang="en-US" sz="1800" dirty="0"/>
+          </a:p>
+          <a:p>
+            <a:pPr marL="0" indent="0">
+              <a:buNone/>
+            </a:pPr>
+            <a:endParaRPr lang="en-US" sz="1800" dirty="0"/>
+          </a:p>
+          <a:p>
+            <a:pPr marL="0" indent="0">
+              <a:buNone/>
+            </a:pPr>
+            <a:r>
+              <a:rPr lang="en-US" sz="1200" dirty="0">
+                <a:hlinkClick r:id="rId3"/>
+              </a:rPr>
+              <a:t>https://en.wikipedia.org/wiki/Morning_star_(candlestick_pattern)</a:t>
+            </a:r>
+            <a:endParaRPr lang="en-US" sz="1200" dirty="0"/>
+          </a:p>
+          <a:p>
+            <a:pPr marL="0" indent="0">
+              <a:buNone/>
+            </a:pPr>
+            <a:endParaRPr lang="en-US" sz="1800" dirty="0"/>
+          </a:p>
         </p:txBody>
       </p:sp>
+      <p:pic>
+        <p:nvPicPr>
+          <p:cNvPr id="3" name="Picture 2">
+            <a:extLst>
+              <a:ext uri="{FF2B5EF4-FFF2-40B4-BE49-F238E27FC236}">
+                <a16:creationId xmlns:a16="http://schemas.microsoft.com/office/drawing/2014/main" id="{287ADD44-27C4-6841-9E16-57344D30A028}"/>
+              </a:ext>
+            </a:extLst>
+          </p:cNvPr>
+          <p:cNvPicPr>
+            <a:picLocks noChangeAspect="1"/>
+          </p:cNvPicPr>
+          <p:nvPr/>
+        </p:nvPicPr>
+        <p:blipFill>
+          <a:blip r:embed="rId4"/>
+          <a:stretch>
+            <a:fillRect/>
+          </a:stretch>
+        </p:blipFill>
+        <p:spPr>
+          <a:xfrm>
+            <a:off x="7923652" y="3982699"/>
+            <a:ext cx="3050951" cy="1556427"/>
+          </a:xfrm>
+          <a:prstGeom prst="rect">
+            <a:avLst/>
+          </a:prstGeom>
+        </p:spPr>
+      </p:pic>
     </p:spTree>
     <p:extLst>
       <p:ext uri="{BB962C8B-B14F-4D97-AF65-F5344CB8AC3E}">
@@ -17689,14 +17746,37 @@
           <a:p>
             <a:r>
               <a:rPr lang="en-US" dirty="0"/>
-              <a:t>CNNs for relatively simple tasks are easily created on a small laptop computer.</a:t>
+              <a:t>CNNs for simple tasks are easily created on a small laptop computer.</a:t>
             </a:r>
           </a:p>
           <a:p>
             <a:r>
               <a:rPr lang="en-US" dirty="0"/>
-              <a:t>Human brains have ~86 billion neurons.  The CNN in this project has about 150 filters (neurons?).</a:t>
+              <a:t>Human brains have ~86 billion neurons.  </a:t>
             </a:r>
+          </a:p>
+          <a:p>
+            <a:r>
+              <a:rPr lang="en-US" dirty="0"/>
+              <a:t>CNN in this project has ~150 x 3 filters (neurons?).</a:t>
+            </a:r>
+          </a:p>
+          <a:p>
+            <a:r>
+              <a:rPr lang="en-US" dirty="0"/>
+              <a:t>In my opinion Penrose </a:t>
+            </a:r>
+            <a:r>
+              <a:rPr lang="en-US"/>
+              <a:t>is (still) </a:t>
+            </a:r>
+            <a:r>
+              <a:rPr lang="en-US" dirty="0"/>
+              <a:t>correct.</a:t>
+            </a:r>
+          </a:p>
+          <a:p>
+            <a:endParaRPr lang="en-US" dirty="0"/>
           </a:p>
         </p:txBody>
       </p:sp>
